--- a/운영체제 팀프로젝트 2번 문제/OS_과제_팀번호_이름1_이름2 (3).pptx
+++ b/운영체제 팀프로젝트 2번 문제/OS_과제_팀번호_이름1_이름2 (3).pptx
@@ -8140,18 +8140,28 @@
               </a:spcBef>
             </a:pPr>
             <a:r>
+              <a:rPr lang="en-US" altLang="ko-KR" sz="1500" dirty="0">
+                <a:solidFill>
+                  <a:srgbClr val="00CC99"/>
+                </a:solidFill>
+                <a:latin typeface="Arial" panose="020B0604020202020204" pitchFamily="34" charset="0"/>
+                <a:cs typeface="Arial" panose="020B0604020202020204" pitchFamily="34" charset="0"/>
+              </a:rPr>
+              <a:t>struct node</a:t>
+            </a:r>
+            <a:r>
+              <a:rPr lang="en-US" altLang="ko-KR" sz="1500" dirty="0">
+                <a:solidFill>
+                  <a:srgbClr val="0070C0"/>
+                </a:solidFill>
+                <a:latin typeface="Arial" panose="020B0604020202020204" pitchFamily="34" charset="0"/>
+                <a:cs typeface="Arial" panose="020B0604020202020204" pitchFamily="34" charset="0"/>
+              </a:rPr>
+              <a:t> :</a:t>
+            </a:r>
+            <a:r>
               <a:rPr lang="en-US" altLang="ko-KR" dirty="0">
                 <a:solidFill>
-                  <a:srgbClr val="00CC99"/>
-                </a:solidFill>
-                <a:latin typeface="Arial" panose="020B0604020202020204" pitchFamily="34" charset="0"/>
-                <a:cs typeface="Arial" panose="020B0604020202020204" pitchFamily="34" charset="0"/>
-              </a:rPr>
-              <a:t>struct node</a:t>
-            </a:r>
-            <a:r>
-              <a:rPr lang="en-US" altLang="ko-KR" dirty="0">
-                <a:solidFill>
                   <a:srgbClr val="0070C0"/>
                 </a:solidFill>
                 <a:latin typeface="Arial" panose="020B0604020202020204" pitchFamily="34" charset="0"/>
@@ -8160,27 +8170,7 @@
               <a:t> </a:t>
             </a:r>
             <a:r>
-              <a:rPr lang="en-US" altLang="ko-KR" sz="1500" dirty="0">
-                <a:solidFill>
-                  <a:srgbClr val="0070C0"/>
-                </a:solidFill>
-                <a:latin typeface="Arial" panose="020B0604020202020204" pitchFamily="34" charset="0"/>
-                <a:cs typeface="Arial" panose="020B0604020202020204" pitchFamily="34" charset="0"/>
-              </a:rPr>
-              <a:t>:</a:t>
-            </a:r>
-            <a:r>
-              <a:rPr lang="en-US" altLang="ko-KR" dirty="0">
-                <a:solidFill>
-                  <a:srgbClr val="0070C0"/>
-                </a:solidFill>
-                <a:latin typeface="Arial" panose="020B0604020202020204" pitchFamily="34" charset="0"/>
-                <a:cs typeface="Arial" panose="020B0604020202020204" pitchFamily="34" charset="0"/>
-              </a:rPr>
-              <a:t> </a:t>
-            </a:r>
-            <a:r>
-              <a:rPr lang="ko-KR" altLang="en-US" sz="1500" dirty="0">
+              <a:rPr lang="ko-KR" altLang="en-US" sz="1200" dirty="0">
                 <a:solidFill>
                   <a:schemeClr val="tx1"/>
                 </a:solidFill>
@@ -8190,7 +8180,7 @@
               <a:t>프로세스</a:t>
             </a:r>
             <a:r>
-              <a:rPr lang="en-US" altLang="ko-KR" sz="1500" dirty="0">
+              <a:rPr lang="en-US" altLang="ko-KR" sz="1200" dirty="0">
                 <a:solidFill>
                   <a:schemeClr val="tx1"/>
                 </a:solidFill>
@@ -8200,7 +8190,7 @@
               <a:t>(P), </a:t>
             </a:r>
             <a:r>
-              <a:rPr lang="ko-KR" altLang="en-US" sz="1500" dirty="0">
+              <a:rPr lang="ko-KR" altLang="en-US" sz="1200" dirty="0">
                 <a:solidFill>
                   <a:schemeClr val="tx1"/>
                 </a:solidFill>
@@ -8210,7 +8200,7 @@
               <a:t>리소스</a:t>
             </a:r>
             <a:r>
-              <a:rPr lang="en-US" altLang="ko-KR" sz="1500" dirty="0">
+              <a:rPr lang="en-US" altLang="ko-KR" sz="1200" dirty="0">
                 <a:solidFill>
                   <a:schemeClr val="tx1"/>
                 </a:solidFill>
@@ -8220,7 +8210,7 @@
               <a:t>(R) </a:t>
             </a:r>
             <a:r>
-              <a:rPr lang="ko-KR" altLang="en-US" sz="1500" dirty="0">
+              <a:rPr lang="ko-KR" altLang="en-US" sz="1200" dirty="0">
                 <a:solidFill>
                   <a:schemeClr val="tx1"/>
                 </a:solidFill>
@@ -8257,7 +8247,7 @@
               <a:t>	</a:t>
             </a:r>
             <a:r>
-              <a:rPr lang="en-US" altLang="ko-KR" dirty="0">
+              <a:rPr lang="en-US" altLang="ko-KR" sz="1500" dirty="0">
                 <a:solidFill>
                   <a:srgbClr val="0000FF"/>
                 </a:solidFill>
@@ -8267,9 +8257,49 @@
               <a:t>char</a:t>
             </a:r>
             <a:r>
+              <a:rPr lang="ko-KR" altLang="en-US" sz="1500" dirty="0">
+                <a:solidFill>
+                  <a:srgbClr val="0070C0"/>
+                </a:solidFill>
+                <a:latin typeface="Arial" panose="020B0604020202020204" pitchFamily="34" charset="0"/>
+                <a:cs typeface="Arial" panose="020B0604020202020204" pitchFamily="34" charset="0"/>
+              </a:rPr>
+              <a:t> </a:t>
+            </a:r>
+            <a:r>
+              <a:rPr lang="en-US" altLang="ko-KR" sz="1500" dirty="0">
+                <a:solidFill>
+                  <a:schemeClr val="tx1"/>
+                </a:solidFill>
+                <a:latin typeface="Arial" panose="020B0604020202020204" pitchFamily="34" charset="0"/>
+                <a:cs typeface="Arial" panose="020B0604020202020204" pitchFamily="34" charset="0"/>
+              </a:rPr>
+              <a:t>type</a:t>
+            </a:r>
+            <a:r>
+              <a:rPr lang="ko-KR" altLang="en-US" sz="1500" dirty="0">
+                <a:solidFill>
+                  <a:schemeClr val="tx1"/>
+                </a:solidFill>
+                <a:latin typeface="Arial" panose="020B0604020202020204" pitchFamily="34" charset="0"/>
+                <a:cs typeface="Arial" panose="020B0604020202020204" pitchFamily="34" charset="0"/>
+              </a:rPr>
+              <a:t> </a:t>
+            </a:r>
+            <a:r>
+              <a:rPr lang="en-US" altLang="ko-KR" sz="1500" dirty="0">
+                <a:solidFill>
+                  <a:schemeClr val="tx1"/>
+                </a:solidFill>
+                <a:latin typeface="Arial" panose="020B0604020202020204" pitchFamily="34" charset="0"/>
+                <a:cs typeface="Arial" panose="020B0604020202020204" pitchFamily="34" charset="0"/>
+              </a:rPr>
+              <a:t>:</a:t>
+            </a:r>
+            <a:r>
               <a:rPr lang="ko-KR" altLang="en-US" dirty="0">
                 <a:solidFill>
-                  <a:srgbClr val="0070C0"/>
+                  <a:schemeClr val="tx1"/>
                 </a:solidFill>
                 <a:latin typeface="Arial" panose="020B0604020202020204" pitchFamily="34" charset="0"/>
                 <a:cs typeface="Arial" panose="020B0604020202020204" pitchFamily="34" charset="0"/>
@@ -8277,47 +8307,7 @@
               <a:t> </a:t>
             </a:r>
             <a:r>
-              <a:rPr lang="en-US" altLang="ko-KR" dirty="0">
-                <a:solidFill>
-                  <a:schemeClr val="tx1"/>
-                </a:solidFill>
-                <a:latin typeface="Arial" panose="020B0604020202020204" pitchFamily="34" charset="0"/>
-                <a:cs typeface="Arial" panose="020B0604020202020204" pitchFamily="34" charset="0"/>
-              </a:rPr>
-              <a:t>type</a:t>
-            </a:r>
-            <a:r>
-              <a:rPr lang="ko-KR" altLang="en-US" dirty="0">
-                <a:solidFill>
-                  <a:schemeClr val="tx1"/>
-                </a:solidFill>
-                <a:latin typeface="Arial" panose="020B0604020202020204" pitchFamily="34" charset="0"/>
-                <a:cs typeface="Arial" panose="020B0604020202020204" pitchFamily="34" charset="0"/>
-              </a:rPr>
-              <a:t> </a:t>
-            </a:r>
-            <a:r>
-              <a:rPr lang="en-US" altLang="ko-KR" sz="1500" dirty="0">
-                <a:solidFill>
-                  <a:schemeClr val="tx1"/>
-                </a:solidFill>
-                <a:latin typeface="Arial" panose="020B0604020202020204" pitchFamily="34" charset="0"/>
-                <a:cs typeface="Arial" panose="020B0604020202020204" pitchFamily="34" charset="0"/>
-              </a:rPr>
-              <a:t>:</a:t>
-            </a:r>
-            <a:r>
-              <a:rPr lang="ko-KR" altLang="en-US" dirty="0">
-                <a:solidFill>
-                  <a:schemeClr val="tx1"/>
-                </a:solidFill>
-                <a:latin typeface="Arial" panose="020B0604020202020204" pitchFamily="34" charset="0"/>
-                <a:cs typeface="Arial" panose="020B0604020202020204" pitchFamily="34" charset="0"/>
-              </a:rPr>
-              <a:t> </a:t>
-            </a:r>
-            <a:r>
-              <a:rPr lang="ko-KR" altLang="en-US" sz="1500" dirty="0">
+              <a:rPr lang="ko-KR" altLang="en-US" sz="1200" dirty="0">
                 <a:solidFill>
                   <a:schemeClr val="tx1"/>
                 </a:solidFill>
@@ -8354,7 +8344,7 @@
         <p:spPr>
           <a:xfrm>
             <a:off x="3346872" y="2645911"/>
-            <a:ext cx="5545608" cy="1354217"/>
+            <a:ext cx="5545608" cy="1261884"/>
           </a:xfrm>
           <a:prstGeom prst="rect">
             <a:avLst/>
@@ -8389,18 +8379,18 @@
               </a:spcBef>
             </a:pPr>
             <a:r>
+              <a:rPr lang="en-US" altLang="ko-KR" sz="1500" dirty="0">
+                <a:solidFill>
+                  <a:srgbClr val="00CC99"/>
+                </a:solidFill>
+                <a:latin typeface="Arial" panose="020B0604020202020204" pitchFamily="34" charset="0"/>
+                <a:cs typeface="Arial" panose="020B0604020202020204" pitchFamily="34" charset="0"/>
+              </a:rPr>
+              <a:t>struct item</a:t>
+            </a:r>
+            <a:r>
               <a:rPr lang="en-US" altLang="ko-KR" dirty="0">
                 <a:solidFill>
-                  <a:srgbClr val="00CC99"/>
-                </a:solidFill>
-                <a:latin typeface="Arial" panose="020B0604020202020204" pitchFamily="34" charset="0"/>
-                <a:cs typeface="Arial" panose="020B0604020202020204" pitchFamily="34" charset="0"/>
-              </a:rPr>
-              <a:t>struct item</a:t>
-            </a:r>
-            <a:r>
-              <a:rPr lang="en-US" altLang="ko-KR" dirty="0">
-                <a:solidFill>
                   <a:srgbClr val="0070C0"/>
                 </a:solidFill>
                 <a:latin typeface="Arial" panose="020B0604020202020204" pitchFamily="34" charset="0"/>
@@ -8409,7 +8399,7 @@
               <a:t> : </a:t>
             </a:r>
             <a:r>
-              <a:rPr lang="ko-KR" altLang="en-US" sz="1500" dirty="0">
+              <a:rPr lang="ko-KR" altLang="en-US" sz="1200" dirty="0">
                 <a:solidFill>
                   <a:schemeClr val="tx1"/>
                 </a:solidFill>
@@ -8418,7 +8408,7 @@
               </a:rPr>
               <a:t>노드의 상세 정보 저장</a:t>
             </a:r>
-            <a:endParaRPr lang="en-US" altLang="ko-KR" sz="1500" dirty="0">
+            <a:endParaRPr lang="en-US" altLang="ko-KR" sz="1200" dirty="0">
               <a:solidFill>
                 <a:schemeClr val="tx1"/>
               </a:solidFill>
@@ -8443,38 +8433,28 @@
               <a:t>	</a:t>
             </a:r>
             <a:r>
+              <a:rPr lang="en-US" altLang="ko-KR" sz="1500" dirty="0">
+                <a:solidFill>
+                  <a:srgbClr val="0000FF"/>
+                </a:solidFill>
+                <a:latin typeface="Arial" panose="020B0604020202020204" pitchFamily="34" charset="0"/>
+                <a:cs typeface="Arial" panose="020B0604020202020204" pitchFamily="34" charset="0"/>
+              </a:rPr>
+              <a:t>int</a:t>
+            </a:r>
+            <a:r>
+              <a:rPr lang="en-US" altLang="ko-KR" sz="1500" dirty="0">
+                <a:solidFill>
+                  <a:schemeClr val="tx1"/>
+                </a:solidFill>
+                <a:latin typeface="Arial" panose="020B0604020202020204" pitchFamily="34" charset="0"/>
+                <a:cs typeface="Arial" panose="020B0604020202020204" pitchFamily="34" charset="0"/>
+              </a:rPr>
+              <a:t> num :</a:t>
+            </a:r>
+            <a:r>
               <a:rPr lang="en-US" altLang="ko-KR" dirty="0">
                 <a:solidFill>
-                  <a:srgbClr val="0000FF"/>
-                </a:solidFill>
-                <a:latin typeface="Arial" panose="020B0604020202020204" pitchFamily="34" charset="0"/>
-                <a:cs typeface="Arial" panose="020B0604020202020204" pitchFamily="34" charset="0"/>
-              </a:rPr>
-              <a:t>int</a:t>
-            </a:r>
-            <a:r>
-              <a:rPr lang="en-US" altLang="ko-KR" dirty="0">
-                <a:solidFill>
-                  <a:schemeClr val="tx1"/>
-                </a:solidFill>
-                <a:latin typeface="Arial" panose="020B0604020202020204" pitchFamily="34" charset="0"/>
-                <a:cs typeface="Arial" panose="020B0604020202020204" pitchFamily="34" charset="0"/>
-              </a:rPr>
-              <a:t> num </a:t>
-            </a:r>
-            <a:r>
-              <a:rPr lang="en-US" altLang="ko-KR" sz="1500" dirty="0">
-                <a:solidFill>
-                  <a:schemeClr val="tx1"/>
-                </a:solidFill>
-                <a:latin typeface="Arial" panose="020B0604020202020204" pitchFamily="34" charset="0"/>
-                <a:cs typeface="Arial" panose="020B0604020202020204" pitchFamily="34" charset="0"/>
-              </a:rPr>
-              <a:t>:</a:t>
-            </a:r>
-            <a:r>
-              <a:rPr lang="en-US" altLang="ko-KR" dirty="0">
-                <a:solidFill>
                   <a:schemeClr val="tx1"/>
                 </a:solidFill>
                 <a:latin typeface="Arial" panose="020B0604020202020204" pitchFamily="34" charset="0"/>
@@ -8483,7 +8463,7 @@
               <a:t> </a:t>
             </a:r>
             <a:r>
-              <a:rPr lang="en-US" altLang="ko-KR" sz="1500" dirty="0">
+              <a:rPr lang="en-US" altLang="ko-KR" sz="1200" dirty="0">
                 <a:solidFill>
                   <a:schemeClr val="tx1"/>
                 </a:solidFill>
@@ -8493,7 +8473,7 @@
               <a:t>vertex</a:t>
             </a:r>
             <a:r>
-              <a:rPr lang="ko-KR" altLang="en-US" sz="1500" dirty="0">
+              <a:rPr lang="ko-KR" altLang="en-US" sz="1200" dirty="0">
                 <a:solidFill>
                   <a:schemeClr val="tx1"/>
                 </a:solidFill>
@@ -8502,7 +8482,7 @@
               </a:rPr>
               <a:t> 번호</a:t>
             </a:r>
-            <a:endParaRPr lang="en-US" altLang="ko-KR" sz="1500" dirty="0">
+            <a:endParaRPr lang="en-US" altLang="ko-KR" sz="1200" dirty="0">
               <a:solidFill>
                 <a:schemeClr val="tx1"/>
               </a:solidFill>
@@ -8527,7 +8507,7 @@
               <a:t>	</a:t>
             </a:r>
             <a:r>
-              <a:rPr lang="en-US" altLang="ko-KR" sz="1700" dirty="0" err="1">
+              <a:rPr lang="en-US" altLang="ko-KR" sz="1500" dirty="0" err="1">
                 <a:solidFill>
                   <a:srgbClr val="00CC99"/>
                 </a:solidFill>
@@ -8537,7 +8517,7 @@
               <a:t>itemPointer</a:t>
             </a:r>
             <a:r>
-              <a:rPr lang="ko-KR" altLang="en-US" sz="1700" dirty="0">
+              <a:rPr lang="ko-KR" altLang="en-US" sz="1500" dirty="0">
                 <a:solidFill>
                   <a:schemeClr val="tx1"/>
                 </a:solidFill>
@@ -8547,7 +8527,7 @@
               <a:t> </a:t>
             </a:r>
             <a:r>
-              <a:rPr lang="en-US" altLang="ko-KR" sz="1700" dirty="0">
+              <a:rPr lang="en-US" altLang="ko-KR" sz="1500" dirty="0">
                 <a:solidFill>
                   <a:schemeClr val="tx1"/>
                 </a:solidFill>
@@ -8557,7 +8537,7 @@
               <a:t>next</a:t>
             </a:r>
             <a:r>
-              <a:rPr lang="ko-KR" altLang="en-US" sz="1700" dirty="0">
+              <a:rPr lang="ko-KR" altLang="en-US" sz="1500" dirty="0">
                 <a:solidFill>
                   <a:schemeClr val="tx1"/>
                 </a:solidFill>
@@ -8587,7 +8567,7 @@
               <a:t> </a:t>
             </a:r>
             <a:r>
-              <a:rPr lang="en-US" altLang="ko-KR" sz="1500" dirty="0">
+              <a:rPr lang="en-US" altLang="ko-KR" sz="1200" dirty="0">
                 <a:solidFill>
                   <a:schemeClr val="tx1"/>
                 </a:solidFill>
@@ -8597,7 +8577,7 @@
               <a:t>Adj graph</a:t>
             </a:r>
             <a:r>
-              <a:rPr lang="ko-KR" altLang="en-US" sz="1500" dirty="0">
+              <a:rPr lang="ko-KR" altLang="en-US" sz="1200" dirty="0">
                 <a:solidFill>
                   <a:schemeClr val="tx1"/>
                 </a:solidFill>
@@ -8607,7 +8587,7 @@
               <a:t>와 </a:t>
             </a:r>
             <a:r>
-              <a:rPr lang="en-US" altLang="ko-KR" sz="1500" dirty="0">
+              <a:rPr lang="en-US" altLang="ko-KR" sz="1200" dirty="0">
                 <a:solidFill>
                   <a:schemeClr val="tx1"/>
                 </a:solidFill>
@@ -8617,7 +8597,7 @@
               <a:t>wait-for graph </a:t>
             </a:r>
             <a:r>
-              <a:rPr lang="ko-KR" altLang="en-US" sz="1500" dirty="0">
+              <a:rPr lang="ko-KR" altLang="en-US" sz="1200" dirty="0">
                 <a:solidFill>
                   <a:schemeClr val="tx1"/>
                 </a:solidFill>
@@ -8627,7 +8607,7 @@
               <a:t>에서 </a:t>
             </a:r>
             <a:r>
-              <a:rPr lang="en-US" altLang="ko-KR" sz="1500" dirty="0">
+              <a:rPr lang="en-US" altLang="ko-KR" sz="1200" dirty="0">
                 <a:solidFill>
                   <a:schemeClr val="tx1"/>
                 </a:solidFill>
@@ -8637,7 +8617,7 @@
               <a:t>			</a:t>
             </a:r>
             <a:r>
-              <a:rPr lang="ko-KR" altLang="en-US" sz="1500" dirty="0">
+              <a:rPr lang="ko-KR" altLang="en-US" sz="1200" dirty="0">
                 <a:solidFill>
                   <a:schemeClr val="tx1"/>
                 </a:solidFill>
@@ -8647,7 +8627,7 @@
               <a:t>활용할 </a:t>
             </a:r>
             <a:r>
-              <a:rPr lang="en-US" altLang="ko-KR" sz="1500" dirty="0">
+              <a:rPr lang="en-US" altLang="ko-KR" sz="1200" dirty="0">
                 <a:solidFill>
                   <a:schemeClr val="tx1"/>
                 </a:solidFill>
@@ -8657,7 +8637,7 @@
               <a:t>link</a:t>
             </a:r>
             <a:r>
-              <a:rPr lang="ko-KR" altLang="en-US" sz="1500" dirty="0">
+              <a:rPr lang="ko-KR" altLang="en-US" sz="1200" dirty="0">
                 <a:solidFill>
                   <a:schemeClr val="tx1"/>
                 </a:solidFill>
@@ -8667,7 +8647,7 @@
               <a:t> </a:t>
             </a:r>
             <a:r>
-              <a:rPr lang="en-US" altLang="ko-KR" sz="1500" dirty="0">
+              <a:rPr lang="en-US" altLang="ko-KR" sz="1200" dirty="0">
                 <a:solidFill>
                   <a:schemeClr val="tx1"/>
                 </a:solidFill>
@@ -8729,18 +8709,78 @@
               </a:spcBef>
             </a:pPr>
             <a:r>
+              <a:rPr lang="en-US" altLang="ko-KR" sz="1500" dirty="0">
+                <a:solidFill>
+                  <a:srgbClr val="0000FF"/>
+                </a:solidFill>
+                <a:latin typeface="Arial" panose="020B0604020202020204" pitchFamily="34" charset="0"/>
+                <a:cs typeface="Arial" panose="020B0604020202020204" pitchFamily="34" charset="0"/>
+              </a:rPr>
+              <a:t>int</a:t>
+            </a:r>
+            <a:r>
+              <a:rPr lang="en-US" altLang="ko-KR" sz="1500" dirty="0">
+                <a:solidFill>
+                  <a:srgbClr val="0070C0"/>
+                </a:solidFill>
+                <a:latin typeface="Arial" panose="020B0604020202020204" pitchFamily="34" charset="0"/>
+                <a:cs typeface="Arial" panose="020B0604020202020204" pitchFamily="34" charset="0"/>
+              </a:rPr>
+              <a:t> </a:t>
+            </a:r>
+            <a:r>
+              <a:rPr lang="en-US" altLang="ko-KR" sz="1500" dirty="0" err="1">
+                <a:solidFill>
+                  <a:schemeClr val="tx1"/>
+                </a:solidFill>
+                <a:latin typeface="Arial" panose="020B0604020202020204" pitchFamily="34" charset="0"/>
+                <a:cs typeface="Arial" panose="020B0604020202020204" pitchFamily="34" charset="0"/>
+              </a:rPr>
+              <a:t>p_num</a:t>
+            </a:r>
+            <a:r>
+              <a:rPr lang="en-US" altLang="ko-KR" sz="1500" dirty="0">
+                <a:solidFill>
+                  <a:schemeClr val="tx1"/>
+                </a:solidFill>
+                <a:latin typeface="Arial" panose="020B0604020202020204" pitchFamily="34" charset="0"/>
+                <a:cs typeface="Arial" panose="020B0604020202020204" pitchFamily="34" charset="0"/>
+              </a:rPr>
+              <a:t>, </a:t>
+            </a:r>
+            <a:r>
+              <a:rPr lang="en-US" altLang="ko-KR" sz="1500" dirty="0" err="1">
+                <a:solidFill>
+                  <a:schemeClr val="tx1"/>
+                </a:solidFill>
+                <a:latin typeface="Arial" panose="020B0604020202020204" pitchFamily="34" charset="0"/>
+                <a:cs typeface="Arial" panose="020B0604020202020204" pitchFamily="34" charset="0"/>
+              </a:rPr>
+              <a:t>r_num</a:t>
+            </a:r>
+            <a:r>
+              <a:rPr lang="en-US" altLang="ko-KR" sz="1500" dirty="0">
+                <a:solidFill>
+                  <a:schemeClr val="tx1"/>
+                </a:solidFill>
+                <a:latin typeface="Arial" panose="020B0604020202020204" pitchFamily="34" charset="0"/>
+                <a:cs typeface="Arial" panose="020B0604020202020204" pitchFamily="34" charset="0"/>
+              </a:rPr>
+              <a:t> </a:t>
+            </a:r>
+            <a:r>
+              <a:rPr lang="en-US" altLang="ko-KR" sz="1500" dirty="0">
+                <a:solidFill>
+                  <a:srgbClr val="0070C0"/>
+                </a:solidFill>
+                <a:latin typeface="Arial" panose="020B0604020202020204" pitchFamily="34" charset="0"/>
+                <a:cs typeface="Arial" panose="020B0604020202020204" pitchFamily="34" charset="0"/>
+              </a:rPr>
+              <a:t>:</a:t>
+            </a:r>
+            <a:r>
               <a:rPr lang="en-US" altLang="ko-KR" dirty="0">
                 <a:solidFill>
-                  <a:srgbClr val="0000FF"/>
-                </a:solidFill>
-                <a:latin typeface="Arial" panose="020B0604020202020204" pitchFamily="34" charset="0"/>
-                <a:cs typeface="Arial" panose="020B0604020202020204" pitchFamily="34" charset="0"/>
-              </a:rPr>
-              <a:t>int</a:t>
-            </a:r>
-            <a:r>
-              <a:rPr lang="en-US" altLang="ko-KR" dirty="0">
-                <a:solidFill>
                   <a:srgbClr val="0070C0"/>
                 </a:solidFill>
                 <a:latin typeface="Arial" panose="020B0604020202020204" pitchFamily="34" charset="0"/>
@@ -8749,37 +8789,17 @@
               <a:t> </a:t>
             </a:r>
             <a:r>
-              <a:rPr lang="en-US" altLang="ko-KR" dirty="0" err="1">
-                <a:solidFill>
-                  <a:schemeClr val="tx1"/>
-                </a:solidFill>
-                <a:latin typeface="Arial" panose="020B0604020202020204" pitchFamily="34" charset="0"/>
-                <a:cs typeface="Arial" panose="020B0604020202020204" pitchFamily="34" charset="0"/>
-              </a:rPr>
-              <a:t>p_num</a:t>
-            </a:r>
-            <a:r>
-              <a:rPr lang="en-US" altLang="ko-KR" dirty="0">
-                <a:solidFill>
-                  <a:schemeClr val="tx1"/>
-                </a:solidFill>
-                <a:latin typeface="Arial" panose="020B0604020202020204" pitchFamily="34" charset="0"/>
-                <a:cs typeface="Arial" panose="020B0604020202020204" pitchFamily="34" charset="0"/>
-              </a:rPr>
-              <a:t>, </a:t>
-            </a:r>
-            <a:r>
-              <a:rPr lang="en-US" altLang="ko-KR" dirty="0" err="1">
-                <a:solidFill>
-                  <a:schemeClr val="tx1"/>
-                </a:solidFill>
-                <a:latin typeface="Arial" panose="020B0604020202020204" pitchFamily="34" charset="0"/>
-                <a:cs typeface="Arial" panose="020B0604020202020204" pitchFamily="34" charset="0"/>
-              </a:rPr>
-              <a:t>r_num</a:t>
-            </a:r>
-            <a:r>
-              <a:rPr lang="en-US" altLang="ko-KR" dirty="0">
+              <a:rPr lang="ko-KR" altLang="en-US" sz="1200" dirty="0">
+                <a:solidFill>
+                  <a:schemeClr val="tx1"/>
+                </a:solidFill>
+                <a:latin typeface="Arial" panose="020B0604020202020204" pitchFamily="34" charset="0"/>
+                <a:cs typeface="Arial" panose="020B0604020202020204" pitchFamily="34" charset="0"/>
+              </a:rPr>
+              <a:t>프로세스와 리소스</a:t>
+            </a:r>
+            <a:r>
+              <a:rPr lang="en-US" altLang="ko-KR" sz="1200" dirty="0">
                 <a:solidFill>
                   <a:schemeClr val="tx1"/>
                 </a:solidFill>
@@ -8789,47 +8809,7 @@
               <a:t> </a:t>
             </a:r>
             <a:r>
-              <a:rPr lang="en-US" altLang="ko-KR" sz="1500" dirty="0">
-                <a:solidFill>
-                  <a:srgbClr val="0070C0"/>
-                </a:solidFill>
-                <a:latin typeface="Arial" panose="020B0604020202020204" pitchFamily="34" charset="0"/>
-                <a:cs typeface="Arial" panose="020B0604020202020204" pitchFamily="34" charset="0"/>
-              </a:rPr>
-              <a:t>:</a:t>
-            </a:r>
-            <a:r>
-              <a:rPr lang="en-US" altLang="ko-KR" dirty="0">
-                <a:solidFill>
-                  <a:srgbClr val="0070C0"/>
-                </a:solidFill>
-                <a:latin typeface="Arial" panose="020B0604020202020204" pitchFamily="34" charset="0"/>
-                <a:cs typeface="Arial" panose="020B0604020202020204" pitchFamily="34" charset="0"/>
-              </a:rPr>
-              <a:t> </a:t>
-            </a:r>
-            <a:r>
-              <a:rPr lang="ko-KR" altLang="en-US" sz="1500" dirty="0">
-                <a:solidFill>
-                  <a:schemeClr val="tx1"/>
-                </a:solidFill>
-                <a:latin typeface="Arial" panose="020B0604020202020204" pitchFamily="34" charset="0"/>
-                <a:cs typeface="Arial" panose="020B0604020202020204" pitchFamily="34" charset="0"/>
-              </a:rPr>
-              <a:t>프로세스와 리소스</a:t>
-            </a:r>
-            <a:r>
-              <a:rPr lang="en-US" altLang="ko-KR" sz="1500" dirty="0">
-                <a:solidFill>
-                  <a:schemeClr val="tx1"/>
-                </a:solidFill>
-                <a:latin typeface="Arial" panose="020B0604020202020204" pitchFamily="34" charset="0"/>
-                <a:cs typeface="Arial" panose="020B0604020202020204" pitchFamily="34" charset="0"/>
-              </a:rPr>
-              <a:t> </a:t>
-            </a:r>
-            <a:r>
-              <a:rPr lang="ko-KR" altLang="en-US" sz="1500" dirty="0">
+              <a:rPr lang="ko-KR" altLang="en-US" sz="1200" dirty="0">
                 <a:solidFill>
                   <a:schemeClr val="tx1"/>
                 </a:solidFill>
@@ -8856,7 +8836,7 @@
               </a:spcBef>
             </a:pPr>
             <a:r>
-              <a:rPr lang="en-US" altLang="ko-KR" dirty="0">
+              <a:rPr lang="en-US" altLang="ko-KR" sz="1500" dirty="0">
                 <a:solidFill>
                   <a:srgbClr val="0000FF"/>
                 </a:solidFill>
@@ -8866,9 +8846,49 @@
               <a:t>int</a:t>
             </a:r>
             <a:r>
+              <a:rPr lang="ko-KR" altLang="en-US" sz="1500" dirty="0">
+                <a:solidFill>
+                  <a:srgbClr val="0070C0"/>
+                </a:solidFill>
+                <a:latin typeface="Arial" panose="020B0604020202020204" pitchFamily="34" charset="0"/>
+                <a:cs typeface="Arial" panose="020B0604020202020204" pitchFamily="34" charset="0"/>
+              </a:rPr>
+              <a:t> </a:t>
+            </a:r>
+            <a:r>
+              <a:rPr lang="en-US" altLang="ko-KR" sz="1500" dirty="0">
+                <a:solidFill>
+                  <a:schemeClr val="tx1"/>
+                </a:solidFill>
+                <a:latin typeface="Arial" panose="020B0604020202020204" pitchFamily="34" charset="0"/>
+                <a:cs typeface="Arial" panose="020B0604020202020204" pitchFamily="34" charset="0"/>
+              </a:rPr>
+              <a:t>*visited</a:t>
+            </a:r>
+            <a:r>
+              <a:rPr lang="ko-KR" altLang="en-US" sz="1500" dirty="0">
+                <a:solidFill>
+                  <a:schemeClr val="tx1"/>
+                </a:solidFill>
+                <a:latin typeface="Arial" panose="020B0604020202020204" pitchFamily="34" charset="0"/>
+                <a:cs typeface="Arial" panose="020B0604020202020204" pitchFamily="34" charset="0"/>
+              </a:rPr>
+              <a:t> </a:t>
+            </a:r>
+            <a:r>
+              <a:rPr lang="en-US" altLang="ko-KR" sz="1500" dirty="0">
+                <a:solidFill>
+                  <a:schemeClr val="tx1"/>
+                </a:solidFill>
+                <a:latin typeface="Arial" panose="020B0604020202020204" pitchFamily="34" charset="0"/>
+                <a:cs typeface="Arial" panose="020B0604020202020204" pitchFamily="34" charset="0"/>
+              </a:rPr>
+              <a:t>:</a:t>
+            </a:r>
+            <a:r>
               <a:rPr lang="ko-KR" altLang="en-US" dirty="0">
                 <a:solidFill>
-                  <a:srgbClr val="0070C0"/>
+                  <a:schemeClr val="tx1"/>
                 </a:solidFill>
                 <a:latin typeface="Arial" panose="020B0604020202020204" pitchFamily="34" charset="0"/>
                 <a:cs typeface="Arial" panose="020B0604020202020204" pitchFamily="34" charset="0"/>
@@ -8876,47 +8896,7 @@
               <a:t> </a:t>
             </a:r>
             <a:r>
-              <a:rPr lang="en-US" altLang="ko-KR" dirty="0">
-                <a:solidFill>
-                  <a:schemeClr val="tx1"/>
-                </a:solidFill>
-                <a:latin typeface="Arial" panose="020B0604020202020204" pitchFamily="34" charset="0"/>
-                <a:cs typeface="Arial" panose="020B0604020202020204" pitchFamily="34" charset="0"/>
-              </a:rPr>
-              <a:t>*visited</a:t>
-            </a:r>
-            <a:r>
-              <a:rPr lang="ko-KR" altLang="en-US" dirty="0">
-                <a:solidFill>
-                  <a:schemeClr val="tx1"/>
-                </a:solidFill>
-                <a:latin typeface="Arial" panose="020B0604020202020204" pitchFamily="34" charset="0"/>
-                <a:cs typeface="Arial" panose="020B0604020202020204" pitchFamily="34" charset="0"/>
-              </a:rPr>
-              <a:t> </a:t>
-            </a:r>
-            <a:r>
-              <a:rPr lang="en-US" altLang="ko-KR" sz="1500" dirty="0">
-                <a:solidFill>
-                  <a:schemeClr val="tx1"/>
-                </a:solidFill>
-                <a:latin typeface="Arial" panose="020B0604020202020204" pitchFamily="34" charset="0"/>
-                <a:cs typeface="Arial" panose="020B0604020202020204" pitchFamily="34" charset="0"/>
-              </a:rPr>
-              <a:t>:</a:t>
-            </a:r>
-            <a:r>
-              <a:rPr lang="ko-KR" altLang="en-US" dirty="0">
-                <a:solidFill>
-                  <a:schemeClr val="tx1"/>
-                </a:solidFill>
-                <a:latin typeface="Arial" panose="020B0604020202020204" pitchFamily="34" charset="0"/>
-                <a:cs typeface="Arial" panose="020B0604020202020204" pitchFamily="34" charset="0"/>
-              </a:rPr>
-              <a:t> </a:t>
-            </a:r>
-            <a:r>
-              <a:rPr lang="en-US" altLang="ko-KR" sz="1500" dirty="0">
+              <a:rPr lang="en-US" altLang="ko-KR" sz="1200" dirty="0">
                 <a:solidFill>
                   <a:schemeClr val="tx1"/>
                 </a:solidFill>
@@ -8926,7 +8906,7 @@
               <a:t>vertex</a:t>
             </a:r>
             <a:r>
-              <a:rPr lang="ko-KR" altLang="en-US" sz="1500" dirty="0">
+              <a:rPr lang="ko-KR" altLang="en-US" sz="1200" dirty="0">
                 <a:solidFill>
                   <a:schemeClr val="tx1"/>
                 </a:solidFill>
@@ -8935,7 +8915,7 @@
               </a:rPr>
               <a:t> 방문을 확인할 동적 배열 </a:t>
             </a:r>
-            <a:endParaRPr lang="en-US" altLang="ko-KR" sz="1500" dirty="0">
+            <a:endParaRPr lang="en-US" altLang="ko-KR" sz="1200" dirty="0">
               <a:solidFill>
                 <a:schemeClr val="tx1"/>
               </a:solidFill>
@@ -8950,7 +8930,7 @@
               </a:spcBef>
             </a:pPr>
             <a:r>
-              <a:rPr lang="en-US" altLang="ko-KR" dirty="0">
+              <a:rPr lang="en-US" altLang="ko-KR" sz="1500" dirty="0">
                 <a:solidFill>
                   <a:srgbClr val="0000FF"/>
                 </a:solidFill>
@@ -8960,16 +8940,6 @@
               <a:t>int</a:t>
             </a:r>
             <a:r>
-              <a:rPr lang="en-US" altLang="ko-KR" dirty="0">
-                <a:solidFill>
-                  <a:schemeClr val="tx1"/>
-                </a:solidFill>
-                <a:latin typeface="Arial" panose="020B0604020202020204" pitchFamily="34" charset="0"/>
-                <a:cs typeface="Arial" panose="020B0604020202020204" pitchFamily="34" charset="0"/>
-              </a:rPr>
-              <a:t> cycle[] </a:t>
-            </a:r>
-            <a:r>
               <a:rPr lang="en-US" altLang="ko-KR" sz="1500" dirty="0">
                 <a:solidFill>
                   <a:schemeClr val="tx1"/>
@@ -8977,10 +8947,20 @@
                 <a:latin typeface="Arial" panose="020B0604020202020204" pitchFamily="34" charset="0"/>
                 <a:cs typeface="Arial" panose="020B0604020202020204" pitchFamily="34" charset="0"/>
               </a:rPr>
-              <a:t>: cycle</a:t>
-            </a:r>
-            <a:r>
-              <a:rPr lang="ko-KR" altLang="en-US" sz="1500" dirty="0">
+              <a:t> cycle[] : </a:t>
+            </a:r>
+            <a:r>
+              <a:rPr lang="en-US" altLang="ko-KR" sz="1200" dirty="0">
+                <a:solidFill>
+                  <a:schemeClr val="tx1"/>
+                </a:solidFill>
+                <a:latin typeface="Arial" panose="020B0604020202020204" pitchFamily="34" charset="0"/>
+                <a:cs typeface="Arial" panose="020B0604020202020204" pitchFamily="34" charset="0"/>
+              </a:rPr>
+              <a:t>cycle</a:t>
+            </a:r>
+            <a:r>
+              <a:rPr lang="ko-KR" altLang="en-US" sz="1200" dirty="0">
                 <a:solidFill>
                   <a:schemeClr val="tx1"/>
                 </a:solidFill>
@@ -8990,7 +8970,7 @@
               <a:t>을 구성하는 </a:t>
             </a:r>
             <a:r>
-              <a:rPr lang="en-US" altLang="ko-KR" sz="1500" dirty="0">
+              <a:rPr lang="en-US" altLang="ko-KR" sz="1200" dirty="0">
                 <a:solidFill>
                   <a:schemeClr val="tx1"/>
                 </a:solidFill>
@@ -9000,7 +8980,7 @@
               <a:t>vertex</a:t>
             </a:r>
             <a:r>
-              <a:rPr lang="ko-KR" altLang="en-US" sz="1500" dirty="0">
+              <a:rPr lang="ko-KR" altLang="en-US" sz="1200" dirty="0">
                 <a:solidFill>
                   <a:schemeClr val="tx1"/>
                 </a:solidFill>
@@ -9009,7 +8989,7 @@
               </a:rPr>
               <a:t>들의 방문 순서 저장 배열</a:t>
             </a:r>
-            <a:endParaRPr lang="en-US" altLang="ko-KR" sz="1500" dirty="0">
+            <a:endParaRPr lang="en-US" altLang="ko-KR" sz="1200" dirty="0">
               <a:solidFill>
                 <a:schemeClr val="tx1"/>
               </a:solidFill>
@@ -9024,18 +9004,38 @@
               </a:spcBef>
             </a:pPr>
             <a:r>
+              <a:rPr lang="en-US" altLang="ko-KR" sz="1500" dirty="0">
+                <a:solidFill>
+                  <a:srgbClr val="0000FF"/>
+                </a:solidFill>
+                <a:latin typeface="Arial" panose="020B0604020202020204" pitchFamily="34" charset="0"/>
+                <a:cs typeface="Arial" panose="020B0604020202020204" pitchFamily="34" charset="0"/>
+              </a:rPr>
+              <a:t>int</a:t>
+            </a:r>
+            <a:r>
+              <a:rPr lang="ko-KR" altLang="en-US" sz="1500" dirty="0">
+                <a:solidFill>
+                  <a:schemeClr val="tx1"/>
+                </a:solidFill>
+                <a:latin typeface="Arial" panose="020B0604020202020204" pitchFamily="34" charset="0"/>
+                <a:cs typeface="Arial" panose="020B0604020202020204" pitchFamily="34" charset="0"/>
+              </a:rPr>
+              <a:t> </a:t>
+            </a:r>
+            <a:r>
+              <a:rPr lang="en-US" altLang="ko-KR" sz="1500" dirty="0">
+                <a:solidFill>
+                  <a:schemeClr val="tx1"/>
+                </a:solidFill>
+                <a:latin typeface="Arial" panose="020B0604020202020204" pitchFamily="34" charset="0"/>
+                <a:cs typeface="Arial" panose="020B0604020202020204" pitchFamily="34" charset="0"/>
+              </a:rPr>
+              <a:t>count :</a:t>
+            </a:r>
+            <a:r>
               <a:rPr lang="en-US" altLang="ko-KR" dirty="0">
                 <a:solidFill>
-                  <a:srgbClr val="0000FF"/>
-                </a:solidFill>
-                <a:latin typeface="Arial" panose="020B0604020202020204" pitchFamily="34" charset="0"/>
-                <a:cs typeface="Arial" panose="020B0604020202020204" pitchFamily="34" charset="0"/>
-              </a:rPr>
-              <a:t>int</a:t>
-            </a:r>
-            <a:r>
-              <a:rPr lang="ko-KR" altLang="en-US" dirty="0">
-                <a:solidFill>
                   <a:schemeClr val="tx1"/>
                 </a:solidFill>
                 <a:latin typeface="Arial" panose="020B0604020202020204" pitchFamily="34" charset="0"/>
@@ -9044,37 +9044,7 @@
               <a:t> </a:t>
             </a:r>
             <a:r>
-              <a:rPr lang="en-US" altLang="ko-KR" dirty="0">
-                <a:solidFill>
-                  <a:schemeClr val="tx1"/>
-                </a:solidFill>
-                <a:latin typeface="Arial" panose="020B0604020202020204" pitchFamily="34" charset="0"/>
-                <a:cs typeface="Arial" panose="020B0604020202020204" pitchFamily="34" charset="0"/>
-              </a:rPr>
-              <a:t>count </a:t>
-            </a:r>
-            <a:r>
-              <a:rPr lang="en-US" altLang="ko-KR" sz="1500" dirty="0">
-                <a:solidFill>
-                  <a:schemeClr val="tx1"/>
-                </a:solidFill>
-                <a:latin typeface="Arial" panose="020B0604020202020204" pitchFamily="34" charset="0"/>
-                <a:cs typeface="Arial" panose="020B0604020202020204" pitchFamily="34" charset="0"/>
-              </a:rPr>
-              <a:t>:</a:t>
-            </a:r>
-            <a:r>
-              <a:rPr lang="en-US" altLang="ko-KR" dirty="0">
-                <a:solidFill>
-                  <a:schemeClr val="tx1"/>
-                </a:solidFill>
-                <a:latin typeface="Arial" panose="020B0604020202020204" pitchFamily="34" charset="0"/>
-                <a:cs typeface="Arial" panose="020B0604020202020204" pitchFamily="34" charset="0"/>
-              </a:rPr>
-              <a:t> </a:t>
-            </a:r>
-            <a:r>
-              <a:rPr lang="en-US" altLang="ko-KR" sz="1500" dirty="0">
+              <a:rPr lang="en-US" altLang="ko-KR" sz="1200" dirty="0">
                 <a:solidFill>
                   <a:schemeClr val="tx1"/>
                 </a:solidFill>
@@ -9084,7 +9054,7 @@
               <a:t>cycle[] </a:t>
             </a:r>
             <a:r>
-              <a:rPr lang="ko-KR" altLang="en-US" sz="1500" dirty="0">
+              <a:rPr lang="ko-KR" altLang="en-US" sz="1200" dirty="0">
                 <a:solidFill>
                   <a:schemeClr val="tx1"/>
                 </a:solidFill>
@@ -9094,7 +9064,7 @@
               <a:t>내</a:t>
             </a:r>
             <a:r>
-              <a:rPr lang="en-US" altLang="ko-KR" sz="1500" dirty="0">
+              <a:rPr lang="en-US" altLang="ko-KR" sz="1200" dirty="0">
                 <a:solidFill>
                   <a:schemeClr val="tx1"/>
                 </a:solidFill>
@@ -9104,7 +9074,7 @@
               <a:t>, cycle</a:t>
             </a:r>
             <a:r>
-              <a:rPr lang="ko-KR" altLang="en-US" sz="1500" dirty="0">
+              <a:rPr lang="ko-KR" altLang="en-US" sz="1200" dirty="0">
                 <a:solidFill>
                   <a:schemeClr val="tx1"/>
                 </a:solidFill>
@@ -9114,7 +9084,7 @@
               <a:t>을 구성하는 </a:t>
             </a:r>
             <a:r>
-              <a:rPr lang="en-US" altLang="ko-KR" sz="1500" dirty="0">
+              <a:rPr lang="en-US" altLang="ko-KR" sz="1200" dirty="0">
                 <a:solidFill>
                   <a:schemeClr val="tx1"/>
                 </a:solidFill>
@@ -9124,7 +9094,7 @@
               <a:t>vertex</a:t>
             </a:r>
             <a:r>
-              <a:rPr lang="ko-KR" altLang="en-US" sz="1500" dirty="0">
+              <a:rPr lang="ko-KR" altLang="en-US" sz="1200" dirty="0">
                 <a:solidFill>
                   <a:schemeClr val="tx1"/>
                 </a:solidFill>
@@ -10480,10 +10450,10 @@
       </p:sp>
       <p:pic>
         <p:nvPicPr>
-          <p:cNvPr id="12" name="그림 11">
+          <p:cNvPr id="15" name="그림 14">
             <a:extLst>
               <a:ext uri="{FF2B5EF4-FFF2-40B4-BE49-F238E27FC236}">
-                <a16:creationId xmlns:a16="http://schemas.microsoft.com/office/drawing/2014/main" id="{0EC237B9-82D4-4A85-8764-23F67AB9F111}"/>
+                <a16:creationId xmlns:a16="http://schemas.microsoft.com/office/drawing/2014/main" id="{7E655583-99FC-479A-BC7E-31B1B5CAB98F}"/>
               </a:ext>
             </a:extLst>
           </p:cNvPr>
@@ -10492,7 +10462,7 @@
           </p:cNvPicPr>
           <p:nvPr/>
         </p:nvPicPr>
-        <p:blipFill rotWithShape="1">
+        <p:blipFill>
           <a:blip r:embed="rId3">
             <a:extLst>
               <a:ext uri="{28A0092B-C50C-407E-A947-70E740481C1C}">
@@ -10500,13 +10470,14 @@
               </a:ext>
             </a:extLst>
           </a:blip>
-          <a:srcRect r="70242"/>
-          <a:stretch/>
+          <a:stretch>
+            <a:fillRect/>
+          </a:stretch>
         </p:blipFill>
         <p:spPr>
           <a:xfrm>
-            <a:off x="1050342" y="1484784"/>
-            <a:ext cx="2434804" cy="4286250"/>
+            <a:off x="1028946" y="1294822"/>
+            <a:ext cx="2671763" cy="5357813"/>
           </a:xfrm>
           <a:prstGeom prst="rect">
             <a:avLst/>
@@ -10515,10 +10486,10 @@
       </p:pic>
       <p:pic>
         <p:nvPicPr>
-          <p:cNvPr id="13" name="그림 12">
+          <p:cNvPr id="17" name="그림 16">
             <a:extLst>
               <a:ext uri="{FF2B5EF4-FFF2-40B4-BE49-F238E27FC236}">
-                <a16:creationId xmlns:a16="http://schemas.microsoft.com/office/drawing/2014/main" id="{C262E998-2F0B-4BF5-BBB4-F1DC363E643F}"/>
+                <a16:creationId xmlns:a16="http://schemas.microsoft.com/office/drawing/2014/main" id="{6F34A454-D8B9-4484-9795-AD347B58F9A8}"/>
               </a:ext>
             </a:extLst>
           </p:cNvPr>
@@ -10527,7 +10498,7 @@
           </p:cNvPicPr>
           <p:nvPr/>
         </p:nvPicPr>
-        <p:blipFill rotWithShape="1">
+        <p:blipFill>
           <a:blip r:embed="rId4">
             <a:extLst>
               <a:ext uri="{28A0092B-C50C-407E-A947-70E740481C1C}">
@@ -10535,13 +10506,14 @@
               </a:ext>
             </a:extLst>
           </a:blip>
-          <a:srcRect r="70957"/>
-          <a:stretch/>
+          <a:stretch>
+            <a:fillRect/>
+          </a:stretch>
         </p:blipFill>
         <p:spPr>
           <a:xfrm>
-            <a:off x="4788024" y="1495578"/>
-            <a:ext cx="2376264" cy="4286250"/>
+            <a:off x="5148064" y="1294822"/>
+            <a:ext cx="2633663" cy="5091113"/>
           </a:xfrm>
           <a:prstGeom prst="rect">
             <a:avLst/>
